--- a/Presentation.pptx
+++ b/Presentation.pptx
@@ -3292,8 +3292,13 @@
           <a:p>
             <a:r>
               <a:rPr lang="en-US" sz="2000" dirty="0"/>
-              <a:t>Most Busy Hour: 5pm</a:t>
+              <a:t>Most Busy Hour</a:t>
             </a:r>
+            <a:r>
+              <a:rPr lang="en-US" sz="2000"/>
+              <a:t>: 5 pm</a:t>
+            </a:r>
+            <a:endParaRPr lang="en-US" sz="2000" dirty="0"/>
           </a:p>
           <a:p>
             <a:endParaRPr lang="en-US" dirty="0"/>
